--- a/documentazione/Presentazione_MoneyMind.pptx
+++ b/documentazione/Presentazione_MoneyMind.pptx
@@ -267,7 +267,7 @@
           <a:p>
             <a:fld id="{DBAB2A38-A1D1-4DFD-8855-9A39F7D8ACDC}" type="datetimeFigureOut">
               <a:rPr lang="it-IT" smtClean="0"/>
-              <a:t>12/02/2025</a:t>
+              <a:t>13/02/2025</a:t>
             </a:fld>
             <a:endParaRPr lang="it-IT"/>
           </a:p>
@@ -465,7 +465,7 @@
           <a:p>
             <a:fld id="{DBAB2A38-A1D1-4DFD-8855-9A39F7D8ACDC}" type="datetimeFigureOut">
               <a:rPr lang="it-IT" smtClean="0"/>
-              <a:t>12/02/2025</a:t>
+              <a:t>13/02/2025</a:t>
             </a:fld>
             <a:endParaRPr lang="it-IT"/>
           </a:p>
@@ -673,7 +673,7 @@
           <a:p>
             <a:fld id="{DBAB2A38-A1D1-4DFD-8855-9A39F7D8ACDC}" type="datetimeFigureOut">
               <a:rPr lang="it-IT" smtClean="0"/>
-              <a:t>12/02/2025</a:t>
+              <a:t>13/02/2025</a:t>
             </a:fld>
             <a:endParaRPr lang="it-IT"/>
           </a:p>
@@ -871,7 +871,7 @@
           <a:p>
             <a:fld id="{DBAB2A38-A1D1-4DFD-8855-9A39F7D8ACDC}" type="datetimeFigureOut">
               <a:rPr lang="it-IT" smtClean="0"/>
-              <a:t>12/02/2025</a:t>
+              <a:t>13/02/2025</a:t>
             </a:fld>
             <a:endParaRPr lang="it-IT"/>
           </a:p>
@@ -1146,7 +1146,7 @@
           <a:p>
             <a:fld id="{DBAB2A38-A1D1-4DFD-8855-9A39F7D8ACDC}" type="datetimeFigureOut">
               <a:rPr lang="it-IT" smtClean="0"/>
-              <a:t>12/02/2025</a:t>
+              <a:t>13/02/2025</a:t>
             </a:fld>
             <a:endParaRPr lang="it-IT"/>
           </a:p>
@@ -1411,7 +1411,7 @@
           <a:p>
             <a:fld id="{DBAB2A38-A1D1-4DFD-8855-9A39F7D8ACDC}" type="datetimeFigureOut">
               <a:rPr lang="it-IT" smtClean="0"/>
-              <a:t>12/02/2025</a:t>
+              <a:t>13/02/2025</a:t>
             </a:fld>
             <a:endParaRPr lang="it-IT"/>
           </a:p>
@@ -1823,7 +1823,7 @@
           <a:p>
             <a:fld id="{DBAB2A38-A1D1-4DFD-8855-9A39F7D8ACDC}" type="datetimeFigureOut">
               <a:rPr lang="it-IT" smtClean="0"/>
-              <a:t>12/02/2025</a:t>
+              <a:t>13/02/2025</a:t>
             </a:fld>
             <a:endParaRPr lang="it-IT"/>
           </a:p>
@@ -1964,7 +1964,7 @@
           <a:p>
             <a:fld id="{DBAB2A38-A1D1-4DFD-8855-9A39F7D8ACDC}" type="datetimeFigureOut">
               <a:rPr lang="it-IT" smtClean="0"/>
-              <a:t>12/02/2025</a:t>
+              <a:t>13/02/2025</a:t>
             </a:fld>
             <a:endParaRPr lang="it-IT"/>
           </a:p>
@@ -2077,7 +2077,7 @@
           <a:p>
             <a:fld id="{DBAB2A38-A1D1-4DFD-8855-9A39F7D8ACDC}" type="datetimeFigureOut">
               <a:rPr lang="it-IT" smtClean="0"/>
-              <a:t>12/02/2025</a:t>
+              <a:t>13/02/2025</a:t>
             </a:fld>
             <a:endParaRPr lang="it-IT"/>
           </a:p>
@@ -2388,7 +2388,7 @@
           <a:p>
             <a:fld id="{DBAB2A38-A1D1-4DFD-8855-9A39F7D8ACDC}" type="datetimeFigureOut">
               <a:rPr lang="it-IT" smtClean="0"/>
-              <a:t>12/02/2025</a:t>
+              <a:t>13/02/2025</a:t>
             </a:fld>
             <a:endParaRPr lang="it-IT"/>
           </a:p>
@@ -2676,7 +2676,7 @@
           <a:p>
             <a:fld id="{DBAB2A38-A1D1-4DFD-8855-9A39F7D8ACDC}" type="datetimeFigureOut">
               <a:rPr lang="it-IT" smtClean="0"/>
-              <a:t>12/02/2025</a:t>
+              <a:t>13/02/2025</a:t>
             </a:fld>
             <a:endParaRPr lang="it-IT"/>
           </a:p>
@@ -2917,7 +2917,7 @@
           <a:p>
             <a:fld id="{DBAB2A38-A1D1-4DFD-8855-9A39F7D8ACDC}" type="datetimeFigureOut">
               <a:rPr lang="it-IT" smtClean="0"/>
-              <a:t>12/02/2025</a:t>
+              <a:t>13/02/2025</a:t>
             </a:fld>
             <a:endParaRPr lang="it-IT"/>
           </a:p>
@@ -3665,8 +3665,39 @@
                 </a:effectLst>
                 <a:latin typeface="Aptos Narrow" panose="020B0004020202020204" pitchFamily="34" charset="0"/>
               </a:rPr>
-              <a:t>. 829834</a:t>
-            </a:r>
+              <a:t>. </a:t>
+            </a:r>
+            <a:r>
+              <a:rPr lang="it-IT" dirty="0" err="1">
+                <a:ln w="0"/>
+                <a:solidFill>
+                  <a:srgbClr val="005D7B"/>
+                </a:solidFill>
+                <a:effectLst>
+                  <a:outerShdw blurRad="38100" dist="19050" dir="2700000" algn="tl" rotWithShape="0">
+                    <a:schemeClr val="dk1">
+                      <a:alpha val="40000"/>
+                    </a:schemeClr>
+                  </a:outerShdw>
+                </a:effectLst>
+                <a:latin typeface="Aptos Narrow" panose="020B0004020202020204" pitchFamily="34" charset="0"/>
+              </a:rPr>
+              <a:t>Xxxxxx</a:t>
+            </a:r>
+            <a:endParaRPr lang="it-IT" dirty="0">
+              <a:ln w="0"/>
+              <a:solidFill>
+                <a:srgbClr val="005D7B"/>
+              </a:solidFill>
+              <a:effectLst>
+                <a:outerShdw blurRad="38100" dist="19050" dir="2700000" algn="tl" rotWithShape="0">
+                  <a:schemeClr val="dk1">
+                    <a:alpha val="40000"/>
+                  </a:schemeClr>
+                </a:outerShdw>
+              </a:effectLst>
+              <a:latin typeface="Aptos Narrow" panose="020B0004020202020204" pitchFamily="34" charset="0"/>
+            </a:endParaRPr>
           </a:p>
           <a:p>
             <a:pPr algn="ctr"/>
@@ -3830,7 +3861,24 @@
                 </a:effectLst>
                 <a:latin typeface="Aptos Narrow" panose="020B0004020202020204" pitchFamily="34" charset="0"/>
               </a:rPr>
-              <a:t>. 899857</a:t>
+              <a:t>. </a:t>
+            </a:r>
+            <a:r>
+              <a:rPr lang="it-IT" dirty="0" err="1">
+                <a:ln w="0"/>
+                <a:solidFill>
+                  <a:srgbClr val="005D7B"/>
+                </a:solidFill>
+                <a:effectLst>
+                  <a:outerShdw blurRad="38100" dist="19050" dir="2700000" algn="tl" rotWithShape="0">
+                    <a:schemeClr val="dk1">
+                      <a:alpha val="40000"/>
+                    </a:schemeClr>
+                  </a:outerShdw>
+                </a:effectLst>
+                <a:latin typeface="Aptos Narrow" panose="020B0004020202020204" pitchFamily="34" charset="0"/>
+              </a:rPr>
+              <a:t>xxxxxx</a:t>
             </a:r>
             <a:endParaRPr lang="it-IT" b="0" cap="none" spc="0" dirty="0">
               <a:ln w="0"/>
@@ -7847,42 +7895,6 @@
           </a:p>
         </p:txBody>
       </p:sp>
-      <p:pic>
-        <p:nvPicPr>
-          <p:cNvPr id="15" name="Immagine 14" descr="Immagine che contiene testo, schermata, diagramma, schermo&#10;&#10;Il contenuto generato dall'IA potrebbe non essere corretto.">
-            <a:extLst>
-              <a:ext uri="{FF2B5EF4-FFF2-40B4-BE49-F238E27FC236}">
-                <a16:creationId xmlns:a16="http://schemas.microsoft.com/office/drawing/2014/main" id="{F5149525-AEAB-3F07-2A86-CD7615BE94BF}"/>
-              </a:ext>
-            </a:extLst>
-          </p:cNvPr>
-          <p:cNvPicPr>
-            <a:picLocks noChangeAspect="1"/>
-          </p:cNvPicPr>
-          <p:nvPr/>
-        </p:nvPicPr>
-        <p:blipFill>
-          <a:blip r:embed="rId3">
-            <a:extLst>
-              <a:ext uri="{28A0092B-C50C-407E-A947-70E740481C1C}">
-                <a14:useLocalDpi xmlns:a14="http://schemas.microsoft.com/office/drawing/2010/main" val="0"/>
-              </a:ext>
-            </a:extLst>
-          </a:blip>
-          <a:stretch>
-            <a:fillRect/>
-          </a:stretch>
-        </p:blipFill>
-        <p:spPr>
-          <a:xfrm>
-            <a:off x="12192000" y="0"/>
-            <a:ext cx="6452297" cy="6858000"/>
-          </a:xfrm>
-          <a:prstGeom prst="rect">
-            <a:avLst/>
-          </a:prstGeom>
-        </p:spPr>
-      </p:pic>
       <p:sp>
         <p:nvSpPr>
           <p:cNvPr id="16" name="Rettangolo 15">
@@ -7947,7 +7959,7 @@
           <p:nvPr/>
         </p:nvPicPr>
         <p:blipFill>
-          <a:blip r:embed="rId4">
+          <a:blip r:embed="rId3">
             <a:extLst>
               <a:ext uri="{28A0092B-C50C-407E-A947-70E740481C1C}">
                 <a14:useLocalDpi xmlns:a14="http://schemas.microsoft.com/office/drawing/2010/main" val="0"/>
@@ -7974,6 +7986,42 @@
             <a:extLst>
               <a:ext uri="{FF2B5EF4-FFF2-40B4-BE49-F238E27FC236}">
                 <a16:creationId xmlns:a16="http://schemas.microsoft.com/office/drawing/2014/main" id="{F180015F-B8EC-0779-4F79-B2ED047927D4}"/>
+              </a:ext>
+            </a:extLst>
+          </p:cNvPr>
+          <p:cNvPicPr>
+            <a:picLocks noChangeAspect="1"/>
+          </p:cNvPicPr>
+          <p:nvPr/>
+        </p:nvPicPr>
+        <p:blipFill>
+          <a:blip r:embed="rId4">
+            <a:extLst>
+              <a:ext uri="{28A0092B-C50C-407E-A947-70E740481C1C}">
+                <a14:useLocalDpi xmlns:a14="http://schemas.microsoft.com/office/drawing/2010/main" val="0"/>
+              </a:ext>
+            </a:extLst>
+          </a:blip>
+          <a:stretch>
+            <a:fillRect/>
+          </a:stretch>
+        </p:blipFill>
+        <p:spPr>
+          <a:xfrm>
+            <a:off x="5204766" y="1887977"/>
+            <a:ext cx="2350582" cy="4964937"/>
+          </a:xfrm>
+          <a:prstGeom prst="rect">
+            <a:avLst/>
+          </a:prstGeom>
+        </p:spPr>
+      </p:pic>
+      <p:pic>
+        <p:nvPicPr>
+          <p:cNvPr id="19" name="Immagine 18" descr="Immagine che contiene testo, schermata, Cellulare, Dispositivo mobile&#10;&#10;Il contenuto generato dall'IA potrebbe non essere corretto.">
+            <a:extLst>
+              <a:ext uri="{FF2B5EF4-FFF2-40B4-BE49-F238E27FC236}">
+                <a16:creationId xmlns:a16="http://schemas.microsoft.com/office/drawing/2014/main" id="{35C706FB-CA18-17BC-89B6-CB73DDEAD656}"/>
               </a:ext>
             </a:extLst>
           </p:cNvPr>
@@ -7996,8 +8044,8 @@
         </p:blipFill>
         <p:spPr>
           <a:xfrm>
-            <a:off x="5204766" y="1887977"/>
-            <a:ext cx="2350582" cy="4964937"/>
+            <a:off x="8993538" y="1887976"/>
+            <a:ext cx="2352990" cy="4970023"/>
           </a:xfrm>
           <a:prstGeom prst="rect">
             <a:avLst/>
@@ -8006,10 +8054,10 @@
       </p:pic>
       <p:pic>
         <p:nvPicPr>
-          <p:cNvPr id="19" name="Immagine 18" descr="Immagine che contiene testo, schermata, Cellulare, Dispositivo mobile&#10;&#10;Il contenuto generato dall'IA potrebbe non essere corretto.">
-            <a:extLst>
-              <a:ext uri="{FF2B5EF4-FFF2-40B4-BE49-F238E27FC236}">
-                <a16:creationId xmlns:a16="http://schemas.microsoft.com/office/drawing/2014/main" id="{35C706FB-CA18-17BC-89B6-CB73DDEAD656}"/>
+          <p:cNvPr id="18" name="Immagine 17" descr="Immagine che contiene testo, schermata, diagramma, design&#10;&#10;Il contenuto generato dall'IA potrebbe non essere corretto.">
+            <a:extLst>
+              <a:ext uri="{FF2B5EF4-FFF2-40B4-BE49-F238E27FC236}">
+                <a16:creationId xmlns:a16="http://schemas.microsoft.com/office/drawing/2014/main" id="{1CE0E87D-4654-1873-192C-49B1DF781A05}"/>
               </a:ext>
             </a:extLst>
           </p:cNvPr>
@@ -8032,8 +8080,8 @@
         </p:blipFill>
         <p:spPr>
           <a:xfrm>
-            <a:off x="8993538" y="1887976"/>
-            <a:ext cx="2352990" cy="4970023"/>
+            <a:off x="12192000" y="0"/>
+            <a:ext cx="6365283" cy="6858000"/>
           </a:xfrm>
           <a:prstGeom prst="rect">
             <a:avLst/>
@@ -8643,42 +8691,6 @@
           </a:prstGeom>
         </p:spPr>
       </p:pic>
-      <p:pic>
-        <p:nvPicPr>
-          <p:cNvPr id="15" name="Immagine 14" descr="Immagine che contiene testo, schermata, diagramma, schermo&#10;&#10;Il contenuto generato dall'IA potrebbe non essere corretto.">
-            <a:extLst>
-              <a:ext uri="{FF2B5EF4-FFF2-40B4-BE49-F238E27FC236}">
-                <a16:creationId xmlns:a16="http://schemas.microsoft.com/office/drawing/2014/main" id="{DF2B0D80-6655-CD82-4A16-AB53C7571074}"/>
-              </a:ext>
-            </a:extLst>
-          </p:cNvPr>
-          <p:cNvPicPr>
-            <a:picLocks noChangeAspect="1"/>
-          </p:cNvPicPr>
-          <p:nvPr/>
-        </p:nvPicPr>
-        <p:blipFill>
-          <a:blip r:embed="rId4">
-            <a:extLst>
-              <a:ext uri="{28A0092B-C50C-407E-A947-70E740481C1C}">
-                <a14:useLocalDpi xmlns:a14="http://schemas.microsoft.com/office/drawing/2010/main" val="0"/>
-              </a:ext>
-            </a:extLst>
-          </a:blip>
-          <a:stretch>
-            <a:fillRect/>
-          </a:stretch>
-        </p:blipFill>
-        <p:spPr>
-          <a:xfrm>
-            <a:off x="5739703" y="0"/>
-            <a:ext cx="6452297" cy="6858000"/>
-          </a:xfrm>
-          <a:prstGeom prst="rect">
-            <a:avLst/>
-          </a:prstGeom>
-        </p:spPr>
-      </p:pic>
       <p:sp>
         <p:nvSpPr>
           <p:cNvPr id="16" name="Rettangolo 15">
@@ -8728,6 +8740,42 @@
           </a:p>
         </p:txBody>
       </p:sp>
+      <p:pic>
+        <p:nvPicPr>
+          <p:cNvPr id="19" name="Immagine 18" descr="Immagine che contiene testo, schermata, diagramma, design&#10;&#10;Il contenuto generato dall'IA potrebbe non essere corretto.">
+            <a:extLst>
+              <a:ext uri="{FF2B5EF4-FFF2-40B4-BE49-F238E27FC236}">
+                <a16:creationId xmlns:a16="http://schemas.microsoft.com/office/drawing/2014/main" id="{DFD8FB03-7F1E-7280-A1CA-9BE2DB701D61}"/>
+              </a:ext>
+            </a:extLst>
+          </p:cNvPr>
+          <p:cNvPicPr>
+            <a:picLocks noChangeAspect="1"/>
+          </p:cNvPicPr>
+          <p:nvPr/>
+        </p:nvPicPr>
+        <p:blipFill>
+          <a:blip r:embed="rId4">
+            <a:extLst>
+              <a:ext uri="{28A0092B-C50C-407E-A947-70E740481C1C}">
+                <a14:useLocalDpi xmlns:a14="http://schemas.microsoft.com/office/drawing/2010/main" val="0"/>
+              </a:ext>
+            </a:extLst>
+          </a:blip>
+          <a:stretch>
+            <a:fillRect/>
+          </a:stretch>
+        </p:blipFill>
+        <p:spPr>
+          <a:xfrm>
+            <a:off x="5826717" y="0"/>
+            <a:ext cx="6365283" cy="6858000"/>
+          </a:xfrm>
+          <a:prstGeom prst="rect">
+            <a:avLst/>
+          </a:prstGeom>
+        </p:spPr>
+      </p:pic>
     </p:spTree>
     <p:extLst>
       <p:ext uri="{BB962C8B-B14F-4D97-AF65-F5344CB8AC3E}">
